--- a/Water Quality Prediction.pptx
+++ b/Water Quality Prediction.pptx
@@ -14,6 +14,8 @@
     <p:sldId id="262" r:id="rId8"/>
     <p:sldId id="263" r:id="rId9"/>
     <p:sldId id="264" r:id="rId10"/>
+    <p:sldId id="265" r:id="rId11"/>
+    <p:sldId id="266" r:id="rId12"/>
   </p:sldIdLst>
   <p:sldSz cx="12192000" cy="6858000"/>
   <p:notesSz cx="6858000" cy="9144000"/>
@@ -118,6 +120,66 @@
     </p:ext>
   </p:extLst>
 </p:presentation>
+</file>
+
+<file path=ppt/changesInfos/changesInfo1.xml><?xml version="1.0" encoding="utf-8"?>
+<pc:chgInfo xmlns:a="http://schemas.openxmlformats.org/drawingml/2006/main" xmlns:r="http://schemas.openxmlformats.org/officeDocument/2006/relationships" xmlns:ac="http://schemas.microsoft.com/office/drawing/2013/main/command" xmlns:pc="http://schemas.microsoft.com/office/powerpoint/2013/main/command">
+  <pc:docChgLst>
+    <pc:chgData name="dhruvil patel" userId="a9e765745393dd01" providerId="LiveId" clId="{90BDC15F-813D-4457-8CB5-6402C2350B35}"/>
+    <pc:docChg chg="custSel addSld modSld">
+      <pc:chgData name="dhruvil patel" userId="a9e765745393dd01" providerId="LiveId" clId="{90BDC15F-813D-4457-8CB5-6402C2350B35}" dt="2022-10-13T03:12:08.981" v="564" actId="1076"/>
+      <pc:docMkLst>
+        <pc:docMk/>
+      </pc:docMkLst>
+      <pc:sldChg chg="modSp new mod">
+        <pc:chgData name="dhruvil patel" userId="a9e765745393dd01" providerId="LiveId" clId="{90BDC15F-813D-4457-8CB5-6402C2350B35}" dt="2022-10-13T03:10:41.791" v="519" actId="207"/>
+        <pc:sldMkLst>
+          <pc:docMk/>
+          <pc:sldMk cId="2283908103" sldId="265"/>
+        </pc:sldMkLst>
+        <pc:spChg chg="mod">
+          <ac:chgData name="dhruvil patel" userId="a9e765745393dd01" providerId="LiveId" clId="{90BDC15F-813D-4457-8CB5-6402C2350B35}" dt="2022-10-13T02:53:31.831" v="14" actId="14100"/>
+          <ac:spMkLst>
+            <pc:docMk/>
+            <pc:sldMk cId="2283908103" sldId="265"/>
+            <ac:spMk id="2" creationId="{40110C3A-C2EA-B53A-15BE-13CAEC632FE9}"/>
+          </ac:spMkLst>
+        </pc:spChg>
+        <pc:spChg chg="mod">
+          <ac:chgData name="dhruvil patel" userId="a9e765745393dd01" providerId="LiveId" clId="{90BDC15F-813D-4457-8CB5-6402C2350B35}" dt="2022-10-13T03:10:41.791" v="519" actId="207"/>
+          <ac:spMkLst>
+            <pc:docMk/>
+            <pc:sldMk cId="2283908103" sldId="265"/>
+            <ac:spMk id="3" creationId="{66D332CF-3672-D32F-6154-E9FC6FDD40A7}"/>
+          </ac:spMkLst>
+        </pc:spChg>
+      </pc:sldChg>
+      <pc:sldChg chg="delSp modSp new mod">
+        <pc:chgData name="dhruvil patel" userId="a9e765745393dd01" providerId="LiveId" clId="{90BDC15F-813D-4457-8CB5-6402C2350B35}" dt="2022-10-13T03:12:08.981" v="564" actId="1076"/>
+        <pc:sldMkLst>
+          <pc:docMk/>
+          <pc:sldMk cId="2813129779" sldId="266"/>
+        </pc:sldMkLst>
+        <pc:spChg chg="mod">
+          <ac:chgData name="dhruvil patel" userId="a9e765745393dd01" providerId="LiveId" clId="{90BDC15F-813D-4457-8CB5-6402C2350B35}" dt="2022-10-13T03:12:08.981" v="564" actId="1076"/>
+          <ac:spMkLst>
+            <pc:docMk/>
+            <pc:sldMk cId="2813129779" sldId="266"/>
+            <ac:spMk id="2" creationId="{4498AADB-F987-E563-ABC3-5E6520EC52B4}"/>
+          </ac:spMkLst>
+        </pc:spChg>
+        <pc:spChg chg="del">
+          <ac:chgData name="dhruvil patel" userId="a9e765745393dd01" providerId="LiveId" clId="{90BDC15F-813D-4457-8CB5-6402C2350B35}" dt="2022-10-13T03:11:22.319" v="556" actId="478"/>
+          <ac:spMkLst>
+            <pc:docMk/>
+            <pc:sldMk cId="2813129779" sldId="266"/>
+            <ac:spMk id="3" creationId="{151F0BFB-E932-51D6-C414-2243038EA297}"/>
+          </ac:spMkLst>
+        </pc:spChg>
+      </pc:sldChg>
+    </pc:docChg>
+  </pc:docChgLst>
+</pc:chgInfo>
 </file>
 
 <file path=ppt/slideLayouts/slideLayout1.xml><?xml version="1.0" encoding="utf-8"?>
@@ -5852,7 +5914,7 @@
           <p:cNvPr id="2" name="Title 1">
             <a:extLst>
               <a:ext uri="{FF2B5EF4-FFF2-40B4-BE49-F238E27FC236}">
-                <a16:creationId xmlns="" xmlns:a16="http://schemas.microsoft.com/office/drawing/2014/main" id="{43037539-CAAC-3A07-396E-68421EE0B0D4}"/>
+                <a16:creationId xmlns:a16="http://schemas.microsoft.com/office/drawing/2014/main" id="{43037539-CAAC-3A07-396E-68421EE0B0D4}"/>
               </a:ext>
             </a:extLst>
           </p:cNvPr>
@@ -5892,7 +5954,7 @@
           <p:cNvPr id="3" name="Subtitle 2">
             <a:extLst>
               <a:ext uri="{FF2B5EF4-FFF2-40B4-BE49-F238E27FC236}">
-                <a16:creationId xmlns="" xmlns:a16="http://schemas.microsoft.com/office/drawing/2014/main" id="{A2716F8B-1D8B-F406-A6F4-9A0C65833D39}"/>
+                <a16:creationId xmlns:a16="http://schemas.microsoft.com/office/drawing/2014/main" id="{A2716F8B-1D8B-F406-A6F4-9A0C65833D39}"/>
               </a:ext>
             </a:extLst>
           </p:cNvPr>
@@ -5954,13 +6016,264 @@
   <p:clrMapOvr>
     <a:masterClrMapping/>
   </p:clrMapOvr>
-  <p:timing>
-    <p:tnLst>
-      <p:par>
-        <p:cTn id="1" dur="indefinite" restart="never" nodeType="tmRoot"/>
-      </p:par>
-    </p:tnLst>
-  </p:timing>
+</p:sld>
+</file>
+
+<file path=ppt/slides/slide10.xml><?xml version="1.0" encoding="utf-8"?>
+<p:sld xmlns:a="http://schemas.openxmlformats.org/drawingml/2006/main" xmlns:r="http://schemas.openxmlformats.org/officeDocument/2006/relationships" xmlns:p="http://schemas.openxmlformats.org/presentationml/2006/main">
+  <p:cSld>
+    <p:spTree>
+      <p:nvGrpSpPr>
+        <p:cNvPr id="1" name=""/>
+        <p:cNvGrpSpPr/>
+        <p:nvPr/>
+      </p:nvGrpSpPr>
+      <p:grpSpPr>
+        <a:xfrm>
+          <a:off x="0" y="0"/>
+          <a:ext cx="0" cy="0"/>
+          <a:chOff x="0" y="0"/>
+          <a:chExt cx="0" cy="0"/>
+        </a:xfrm>
+      </p:grpSpPr>
+      <p:sp>
+        <p:nvSpPr>
+          <p:cNvPr id="2" name="Title 1">
+            <a:extLst>
+              <a:ext uri="{FF2B5EF4-FFF2-40B4-BE49-F238E27FC236}">
+                <a16:creationId xmlns:a16="http://schemas.microsoft.com/office/drawing/2014/main" id="{40110C3A-C2EA-B53A-15BE-13CAEC632FE9}"/>
+              </a:ext>
+            </a:extLst>
+          </p:cNvPr>
+          <p:cNvSpPr>
+            <a:spLocks noGrp="1"/>
+          </p:cNvSpPr>
+          <p:nvPr>
+            <p:ph type="title"/>
+          </p:nvPr>
+        </p:nvSpPr>
+        <p:spPr>
+          <a:xfrm>
+            <a:off x="677334" y="609600"/>
+            <a:ext cx="8596668" cy="695417"/>
+          </a:xfrm>
+        </p:spPr>
+        <p:txBody>
+          <a:bodyPr/>
+          <a:lstStyle/>
+          <a:p>
+            <a:r>
+              <a:rPr lang="en-US" dirty="0">
+                <a:solidFill>
+                  <a:schemeClr val="accent2">
+                    <a:lumMod val="75000"/>
+                  </a:schemeClr>
+                </a:solidFill>
+              </a:rPr>
+              <a:t>Conclusion</a:t>
+            </a:r>
+            <a:endParaRPr lang="en-IN" dirty="0">
+              <a:solidFill>
+                <a:schemeClr val="accent2">
+                  <a:lumMod val="75000"/>
+                </a:schemeClr>
+              </a:solidFill>
+            </a:endParaRPr>
+          </a:p>
+        </p:txBody>
+      </p:sp>
+      <p:sp>
+        <p:nvSpPr>
+          <p:cNvPr id="3" name="Content Placeholder 2">
+            <a:extLst>
+              <a:ext uri="{FF2B5EF4-FFF2-40B4-BE49-F238E27FC236}">
+                <a16:creationId xmlns:a16="http://schemas.microsoft.com/office/drawing/2014/main" id="{66D332CF-3672-D32F-6154-E9FC6FDD40A7}"/>
+              </a:ext>
+            </a:extLst>
+          </p:cNvPr>
+          <p:cNvSpPr>
+            <a:spLocks noGrp="1"/>
+          </p:cNvSpPr>
+          <p:nvPr>
+            <p:ph idx="1"/>
+          </p:nvPr>
+        </p:nvSpPr>
+        <p:spPr>
+          <a:xfrm>
+            <a:off x="677334" y="1565785"/>
+            <a:ext cx="8596668" cy="3880773"/>
+          </a:xfrm>
+        </p:spPr>
+        <p:txBody>
+          <a:bodyPr/>
+          <a:lstStyle/>
+          <a:p>
+            <a:r>
+              <a:rPr lang="en-US" dirty="0">
+                <a:solidFill>
+                  <a:schemeClr val="accent1">
+                    <a:lumMod val="75000"/>
+                  </a:schemeClr>
+                </a:solidFill>
+              </a:rPr>
+              <a:t>The aim of this study is to assess the quality of river and groundwater for the suitability of drinking and domestic purpose.</a:t>
+            </a:r>
+          </a:p>
+          <a:p>
+            <a:r>
+              <a:rPr lang="en-US" dirty="0">
+                <a:solidFill>
+                  <a:schemeClr val="accent1">
+                    <a:lumMod val="75000"/>
+                  </a:schemeClr>
+                </a:solidFill>
+              </a:rPr>
+              <a:t>This study will be helpful for public to understand the quality of water as well as to understand WQI  which is  a useful tool in many ways in the field of water quality management. </a:t>
+            </a:r>
+          </a:p>
+          <a:p>
+            <a:r>
+              <a:rPr lang="en-IN" dirty="0">
+                <a:solidFill>
+                  <a:schemeClr val="accent1">
+                    <a:lumMod val="75000"/>
+                  </a:schemeClr>
+                </a:solidFill>
+              </a:rPr>
+              <a:t>Future work will include applying both Classification and Regression algorithms on the dataset, we will conclude that which model will give highest accuracy to estimate WQI.</a:t>
+            </a:r>
+          </a:p>
+          <a:p>
+            <a:r>
+              <a:rPr lang="en-IN" dirty="0">
+                <a:solidFill>
+                  <a:schemeClr val="accent1">
+                    <a:lumMod val="75000"/>
+                  </a:schemeClr>
+                </a:solidFill>
+              </a:rPr>
+              <a:t>Accuracy could be increased by training more fresh dataset of current year from CPCB database and by reducing error rate.</a:t>
+            </a:r>
+          </a:p>
+        </p:txBody>
+      </p:sp>
+    </p:spTree>
+    <p:extLst>
+      <p:ext uri="{BB962C8B-B14F-4D97-AF65-F5344CB8AC3E}">
+        <p14:creationId xmlns:p14="http://schemas.microsoft.com/office/powerpoint/2010/main" val="2283908103"/>
+      </p:ext>
+    </p:extLst>
+  </p:cSld>
+  <p:clrMapOvr>
+    <a:masterClrMapping/>
+  </p:clrMapOvr>
+</p:sld>
+</file>
+
+<file path=ppt/slides/slide11.xml><?xml version="1.0" encoding="utf-8"?>
+<p:sld xmlns:a="http://schemas.openxmlformats.org/drawingml/2006/main" xmlns:r="http://schemas.openxmlformats.org/officeDocument/2006/relationships" xmlns:p="http://schemas.openxmlformats.org/presentationml/2006/main">
+  <p:cSld>
+    <p:spTree>
+      <p:nvGrpSpPr>
+        <p:cNvPr id="1" name=""/>
+        <p:cNvGrpSpPr/>
+        <p:nvPr/>
+      </p:nvGrpSpPr>
+      <p:grpSpPr>
+        <a:xfrm>
+          <a:off x="0" y="0"/>
+          <a:ext cx="0" cy="0"/>
+          <a:chOff x="0" y="0"/>
+          <a:chExt cx="0" cy="0"/>
+        </a:xfrm>
+      </p:grpSpPr>
+      <p:sp>
+        <p:nvSpPr>
+          <p:cNvPr id="2" name="Title 1">
+            <a:extLst>
+              <a:ext uri="{FF2B5EF4-FFF2-40B4-BE49-F238E27FC236}">
+                <a16:creationId xmlns:a16="http://schemas.microsoft.com/office/drawing/2014/main" id="{4498AADB-F987-E563-ABC3-5E6520EC52B4}"/>
+              </a:ext>
+            </a:extLst>
+          </p:cNvPr>
+          <p:cNvSpPr>
+            <a:spLocks noGrp="1"/>
+          </p:cNvSpPr>
+          <p:nvPr>
+            <p:ph type="title"/>
+          </p:nvPr>
+        </p:nvSpPr>
+        <p:spPr>
+          <a:xfrm>
+            <a:off x="872643" y="1703279"/>
+            <a:ext cx="8596668" cy="1320800"/>
+          </a:xfrm>
+        </p:spPr>
+        <p:txBody>
+          <a:bodyPr>
+            <a:noAutofit/>
+          </a:bodyPr>
+          <a:lstStyle/>
+          <a:p>
+            <a:pPr algn="ctr"/>
+            <a:r>
+              <a:rPr lang="en-US" sz="5400" b="1" dirty="0">
+                <a:solidFill>
+                  <a:schemeClr val="accent2">
+                    <a:lumMod val="75000"/>
+                  </a:schemeClr>
+                </a:solidFill>
+              </a:rPr>
+              <a:t>Thank You</a:t>
+            </a:r>
+            <a:br>
+              <a:rPr lang="en-US" sz="5400" b="1" dirty="0">
+                <a:solidFill>
+                  <a:schemeClr val="accent2">
+                    <a:lumMod val="75000"/>
+                  </a:schemeClr>
+                </a:solidFill>
+              </a:rPr>
+            </a:br>
+            <a:br>
+              <a:rPr lang="en-US" sz="5400" b="1" dirty="0">
+                <a:solidFill>
+                  <a:schemeClr val="accent2">
+                    <a:lumMod val="75000"/>
+                  </a:schemeClr>
+                </a:solidFill>
+              </a:rPr>
+            </a:br>
+            <a:r>
+              <a:rPr lang="en-US" sz="5400" b="1" dirty="0">
+                <a:solidFill>
+                  <a:schemeClr val="accent2">
+                    <a:lumMod val="75000"/>
+                  </a:schemeClr>
+                </a:solidFill>
+              </a:rPr>
+              <a:t>Any Questions ?</a:t>
+            </a:r>
+            <a:endParaRPr lang="en-IN" sz="5400" b="1" dirty="0">
+              <a:solidFill>
+                <a:schemeClr val="accent2">
+                  <a:lumMod val="75000"/>
+                </a:schemeClr>
+              </a:solidFill>
+            </a:endParaRPr>
+          </a:p>
+        </p:txBody>
+      </p:sp>
+    </p:spTree>
+    <p:extLst>
+      <p:ext uri="{BB962C8B-B14F-4D97-AF65-F5344CB8AC3E}">
+        <p14:creationId xmlns:p14="http://schemas.microsoft.com/office/powerpoint/2010/main" val="2813129779"/>
+      </p:ext>
+    </p:extLst>
+  </p:cSld>
+  <p:clrMapOvr>
+    <a:masterClrMapping/>
+  </p:clrMapOvr>
 </p:sld>
 </file>
 
@@ -5986,7 +6299,7 @@
           <p:cNvPr id="2" name="Title 1">
             <a:extLst>
               <a:ext uri="{FF2B5EF4-FFF2-40B4-BE49-F238E27FC236}">
-                <a16:creationId xmlns="" xmlns:a16="http://schemas.microsoft.com/office/drawing/2014/main" id="{7DC71106-9043-DAD3-82DF-0F98CC5B0858}"/>
+                <a16:creationId xmlns:a16="http://schemas.microsoft.com/office/drawing/2014/main" id="{7DC71106-9043-DAD3-82DF-0F98CC5B0858}"/>
               </a:ext>
             </a:extLst>
           </p:cNvPr>
@@ -6020,7 +6333,7 @@
           <p:cNvPr id="3" name="Content Placeholder 2">
             <a:extLst>
               <a:ext uri="{FF2B5EF4-FFF2-40B4-BE49-F238E27FC236}">
-                <a16:creationId xmlns="" xmlns:a16="http://schemas.microsoft.com/office/drawing/2014/main" id="{2766EF15-C404-6B5D-C380-37EDA5E92180}"/>
+                <a16:creationId xmlns:a16="http://schemas.microsoft.com/office/drawing/2014/main" id="{2766EF15-C404-6B5D-C380-37EDA5E92180}"/>
               </a:ext>
             </a:extLst>
           </p:cNvPr>
@@ -6124,7 +6437,7 @@
               <a:t>When it comes to estimate water quality, </a:t>
             </a:r>
             <a:r>
-              <a:rPr lang="en-US" sz="1900" dirty="0" smtClean="0">
+              <a:rPr lang="en-US" sz="1900" dirty="0">
                 <a:solidFill>
                   <a:schemeClr val="accent1">
                     <a:lumMod val="75000"/>
@@ -6135,7 +6448,7 @@
               <a:t>We use</a:t>
             </a:r>
             <a:r>
-              <a:rPr lang="en-US" sz="1900" b="0" i="0" dirty="0" smtClean="0">
+              <a:rPr lang="en-US" sz="1900" b="0" i="0" dirty="0">
                 <a:solidFill>
                   <a:schemeClr val="accent1">
                     <a:lumMod val="75000"/>
@@ -6144,10 +6457,10 @@
                 <a:effectLst/>
                 <a:latin typeface="-apple-system"/>
               </a:rPr>
-              <a:t> </a:t>
-            </a:r>
-            <a:r>
-              <a:rPr lang="en-US" sz="1900" b="0" i="0" dirty="0">
+              <a:t> classical machine learning algorithms for instance Support Vector Machines (SVM), Neural Networks (NN), k-Nearest Neighbors (k-NN), Random Forest </a:t>
+            </a:r>
+            <a:r>
+              <a:rPr lang="en-US" sz="1900" b="0" i="0" dirty="0" err="1">
                 <a:solidFill>
                   <a:schemeClr val="accent1">
                     <a:lumMod val="75000"/>
@@ -6156,10 +6469,10 @@
                 <a:effectLst/>
                 <a:latin typeface="-apple-system"/>
               </a:rPr>
-              <a:t>classical machine learning algorithms for instance Support Vector Machines (SVM), Neural Networks (NN), k-Nearest Neighbors (k-NN), Random Forest </a:t>
-            </a:r>
-            <a:r>
-              <a:rPr lang="en-US" sz="1900" b="0" i="0" dirty="0" err="1" smtClean="0">
+              <a:t>Regressor</a:t>
+            </a:r>
+            <a:r>
+              <a:rPr lang="en-US" sz="1900" b="0" i="0" dirty="0">
                 <a:solidFill>
                   <a:schemeClr val="accent1">
                     <a:lumMod val="75000"/>
@@ -6168,29 +6481,8 @@
                 <a:effectLst/>
                 <a:latin typeface="-apple-system"/>
               </a:rPr>
-              <a:t>Regressor</a:t>
-            </a:r>
-            <a:r>
-              <a:rPr lang="en-US" sz="1900" b="0" i="0" dirty="0" smtClean="0">
-                <a:solidFill>
-                  <a:schemeClr val="accent1">
-                    <a:lumMod val="75000"/>
-                  </a:schemeClr>
-                </a:solidFill>
-                <a:effectLst/>
-                <a:latin typeface="-apple-system"/>
-              </a:rPr>
               <a:t>.</a:t>
             </a:r>
-            <a:endParaRPr lang="en-US" sz="1900" b="0" i="0" dirty="0">
-              <a:solidFill>
-                <a:schemeClr val="accent1">
-                  <a:lumMod val="75000"/>
-                </a:schemeClr>
-              </a:solidFill>
-              <a:effectLst/>
-              <a:latin typeface="-apple-system"/>
-            </a:endParaRPr>
           </a:p>
           <a:p>
             <a:pPr marL="0" indent="0" algn="just">
@@ -6216,13 +6508,6 @@
   <p:clrMapOvr>
     <a:masterClrMapping/>
   </p:clrMapOvr>
-  <p:timing>
-    <p:tnLst>
-      <p:par>
-        <p:cTn id="1" dur="indefinite" restart="never" nodeType="tmRoot"/>
-      </p:par>
-    </p:tnLst>
-  </p:timing>
 </p:sld>
 </file>
 
@@ -6248,7 +6533,7 @@
           <p:cNvPr id="2" name="Title 1">
             <a:extLst>
               <a:ext uri="{FF2B5EF4-FFF2-40B4-BE49-F238E27FC236}">
-                <a16:creationId xmlns="" xmlns:a16="http://schemas.microsoft.com/office/drawing/2014/main" id="{EAECEB92-F5C3-E1D3-AEEB-A8D96F223303}"/>
+                <a16:creationId xmlns:a16="http://schemas.microsoft.com/office/drawing/2014/main" id="{EAECEB92-F5C3-E1D3-AEEB-A8D96F223303}"/>
               </a:ext>
             </a:extLst>
           </p:cNvPr>
@@ -6282,7 +6567,7 @@
           <p:cNvPr id="3" name="Content Placeholder 2">
             <a:extLst>
               <a:ext uri="{FF2B5EF4-FFF2-40B4-BE49-F238E27FC236}">
-                <a16:creationId xmlns="" xmlns:a16="http://schemas.microsoft.com/office/drawing/2014/main" id="{B4168C9E-FE06-37BA-7A6C-C6D4865697D6}"/>
+                <a16:creationId xmlns:a16="http://schemas.microsoft.com/office/drawing/2014/main" id="{B4168C9E-FE06-37BA-7A6C-C6D4865697D6}"/>
               </a:ext>
             </a:extLst>
           </p:cNvPr>
@@ -6401,13 +6686,6 @@
   <p:clrMapOvr>
     <a:masterClrMapping/>
   </p:clrMapOvr>
-  <p:timing>
-    <p:tnLst>
-      <p:par>
-        <p:cTn id="1" dur="indefinite" restart="never" nodeType="tmRoot"/>
-      </p:par>
-    </p:tnLst>
-  </p:timing>
 </p:sld>
 </file>
 
@@ -6433,7 +6711,7 @@
           <p:cNvPr id="2" name="Title 1">
             <a:extLst>
               <a:ext uri="{FF2B5EF4-FFF2-40B4-BE49-F238E27FC236}">
-                <a16:creationId xmlns="" xmlns:a16="http://schemas.microsoft.com/office/drawing/2014/main" id="{3C0FFEF5-5EDF-ED96-EF9D-6214C4C8801D}"/>
+                <a16:creationId xmlns:a16="http://schemas.microsoft.com/office/drawing/2014/main" id="{3C0FFEF5-5EDF-ED96-EF9D-6214C4C8801D}"/>
               </a:ext>
             </a:extLst>
           </p:cNvPr>
@@ -6472,7 +6750,7 @@
           <p:cNvPr id="3" name="Content Placeholder 2">
             <a:extLst>
               <a:ext uri="{FF2B5EF4-FFF2-40B4-BE49-F238E27FC236}">
-                <a16:creationId xmlns="" xmlns:a16="http://schemas.microsoft.com/office/drawing/2014/main" id="{B73B89B5-65C7-6F82-D3FD-19E6CEA038F6}"/>
+                <a16:creationId xmlns:a16="http://schemas.microsoft.com/office/drawing/2014/main" id="{B73B89B5-65C7-6F82-D3FD-19E6CEA038F6}"/>
               </a:ext>
             </a:extLst>
           </p:cNvPr>
@@ -6583,13 +6861,6 @@
   <p:clrMapOvr>
     <a:masterClrMapping/>
   </p:clrMapOvr>
-  <p:timing>
-    <p:tnLst>
-      <p:par>
-        <p:cTn id="1" dur="indefinite" restart="never" nodeType="tmRoot"/>
-      </p:par>
-    </p:tnLst>
-  </p:timing>
 </p:sld>
 </file>
 
@@ -6615,7 +6886,7 @@
           <p:cNvPr id="3" name="Content Placeholder 2">
             <a:extLst>
               <a:ext uri="{FF2B5EF4-FFF2-40B4-BE49-F238E27FC236}">
-                <a16:creationId xmlns="" xmlns:a16="http://schemas.microsoft.com/office/drawing/2014/main" id="{AF321434-2B66-1A3C-87BB-2472691B658B}"/>
+                <a16:creationId xmlns:a16="http://schemas.microsoft.com/office/drawing/2014/main" id="{AF321434-2B66-1A3C-87BB-2472691B658B}"/>
               </a:ext>
             </a:extLst>
           </p:cNvPr>
@@ -6776,13 +7047,6 @@
   <p:clrMapOvr>
     <a:masterClrMapping/>
   </p:clrMapOvr>
-  <p:timing>
-    <p:tnLst>
-      <p:par>
-        <p:cTn id="1" dur="indefinite" restart="never" nodeType="tmRoot"/>
-      </p:par>
-    </p:tnLst>
-  </p:timing>
 </p:sld>
 </file>
 
@@ -6808,7 +7072,7 @@
           <p:cNvPr id="2" name="Title 1">
             <a:extLst>
               <a:ext uri="{FF2B5EF4-FFF2-40B4-BE49-F238E27FC236}">
-                <a16:creationId xmlns="" xmlns:a16="http://schemas.microsoft.com/office/drawing/2014/main" id="{9C66D1E8-652F-0C65-9FFE-D2E8150AB666}"/>
+                <a16:creationId xmlns:a16="http://schemas.microsoft.com/office/drawing/2014/main" id="{9C66D1E8-652F-0C65-9FFE-D2E8150AB666}"/>
               </a:ext>
             </a:extLst>
           </p:cNvPr>
@@ -6842,7 +7106,7 @@
           <p:cNvPr id="3" name="Content Placeholder 2">
             <a:extLst>
               <a:ext uri="{FF2B5EF4-FFF2-40B4-BE49-F238E27FC236}">
-                <a16:creationId xmlns="" xmlns:a16="http://schemas.microsoft.com/office/drawing/2014/main" id="{6E8646D2-6FA7-C60F-E69A-4CAA1227D0E5}"/>
+                <a16:creationId xmlns:a16="http://schemas.microsoft.com/office/drawing/2014/main" id="{6E8646D2-6FA7-C60F-E69A-4CAA1227D0E5}"/>
               </a:ext>
             </a:extLst>
           </p:cNvPr>
@@ -7044,13 +7308,6 @@
   <p:clrMapOvr>
     <a:masterClrMapping/>
   </p:clrMapOvr>
-  <p:timing>
-    <p:tnLst>
-      <p:par>
-        <p:cTn id="1" dur="indefinite" restart="never" nodeType="tmRoot"/>
-      </p:par>
-    </p:tnLst>
-  </p:timing>
 </p:sld>
 </file>
 
@@ -7076,7 +7333,7 @@
           <p:cNvPr id="2" name="Title 1">
             <a:extLst>
               <a:ext uri="{FF2B5EF4-FFF2-40B4-BE49-F238E27FC236}">
-                <a16:creationId xmlns="" xmlns:a16="http://schemas.microsoft.com/office/drawing/2014/main" id="{17778D96-CDF6-7927-0FF4-B45B4B1ADE35}"/>
+                <a16:creationId xmlns:a16="http://schemas.microsoft.com/office/drawing/2014/main" id="{17778D96-CDF6-7927-0FF4-B45B4B1ADE35}"/>
               </a:ext>
             </a:extLst>
           </p:cNvPr>
@@ -7115,7 +7372,7 @@
           <p:cNvPr id="3" name="Content Placeholder 2">
             <a:extLst>
               <a:ext uri="{FF2B5EF4-FFF2-40B4-BE49-F238E27FC236}">
-                <a16:creationId xmlns="" xmlns:a16="http://schemas.microsoft.com/office/drawing/2014/main" id="{779E0DD8-ECB4-385A-8A93-1690EFC91D4D}"/>
+                <a16:creationId xmlns:a16="http://schemas.microsoft.com/office/drawing/2014/main" id="{779E0DD8-ECB4-385A-8A93-1690EFC91D4D}"/>
               </a:ext>
             </a:extLst>
           </p:cNvPr>
@@ -7381,13 +7638,6 @@
   <p:clrMapOvr>
     <a:masterClrMapping/>
   </p:clrMapOvr>
-  <p:timing>
-    <p:tnLst>
-      <p:par>
-        <p:cTn id="1" dur="indefinite" restart="never" nodeType="tmRoot"/>
-      </p:par>
-    </p:tnLst>
-  </p:timing>
 </p:sld>
 </file>
 
@@ -7413,7 +7663,7 @@
           <p:cNvPr id="5" name="Picture 4">
             <a:extLst>
               <a:ext uri="{FF2B5EF4-FFF2-40B4-BE49-F238E27FC236}">
-                <a16:creationId xmlns="" xmlns:a16="http://schemas.microsoft.com/office/drawing/2014/main" id="{69DABCF2-15C1-07BB-3938-BFE073E92CF8}"/>
+                <a16:creationId xmlns:a16="http://schemas.microsoft.com/office/drawing/2014/main" id="{69DABCF2-15C1-07BB-3938-BFE073E92CF8}"/>
               </a:ext>
             </a:extLst>
           </p:cNvPr>
@@ -7453,13 +7703,6 @@
   <p:clrMapOvr>
     <a:masterClrMapping/>
   </p:clrMapOvr>
-  <p:timing>
-    <p:tnLst>
-      <p:par>
-        <p:cTn id="1" dur="indefinite" restart="never" nodeType="tmRoot"/>
-      </p:par>
-    </p:tnLst>
-  </p:timing>
 </p:sld>
 </file>
 
@@ -7501,7 +7744,7 @@
           <a:lstStyle/>
           <a:p>
             <a:r>
-              <a:rPr lang="en-US" dirty="0" smtClean="0">
+              <a:rPr lang="en-US" dirty="0">
                 <a:solidFill>
                   <a:schemeClr val="accent2">
                     <a:lumMod val="75000"/>
@@ -7544,7 +7787,7 @@
           <a:p>
             <a:pPr algn="just"/>
             <a:r>
-              <a:rPr lang="en-US" dirty="0" smtClean="0">
+              <a:rPr lang="en-US" dirty="0">
                 <a:solidFill>
                   <a:schemeClr val="accent1">
                     <a:lumMod val="75000"/>
@@ -7553,20 +7796,13 @@
               </a:rPr>
               <a:t>To implement Machine Learning Method/Algorithm:</a:t>
             </a:r>
-            <a:endParaRPr lang="en-US" dirty="0">
-              <a:solidFill>
-                <a:schemeClr val="accent1">
-                  <a:lumMod val="75000"/>
-                </a:schemeClr>
-              </a:solidFill>
-            </a:endParaRPr>
           </a:p>
           <a:p>
             <a:pPr marL="400050" lvl="1" indent="0" algn="just">
               <a:buNone/>
             </a:pPr>
             <a:r>
-              <a:rPr lang="en-US" dirty="0" smtClean="0">
+              <a:rPr lang="en-US" dirty="0">
                 <a:solidFill>
                   <a:schemeClr val="accent1">
                     <a:lumMod val="75000"/>
@@ -7581,7 +7817,7 @@
               <a:buNone/>
             </a:pPr>
             <a:r>
-              <a:rPr lang="en-US" dirty="0" smtClean="0">
+              <a:rPr lang="en-US" dirty="0">
                 <a:solidFill>
                   <a:schemeClr val="accent1">
                     <a:lumMod val="75000"/>
@@ -7596,7 +7832,7 @@
               <a:buNone/>
             </a:pPr>
             <a:r>
-              <a:rPr lang="en-US" dirty="0" smtClean="0">
+              <a:rPr lang="en-US" dirty="0">
                 <a:solidFill>
                   <a:schemeClr val="accent1">
                     <a:lumMod val="75000"/>
@@ -7611,7 +7847,7 @@
               <a:buNone/>
             </a:pPr>
             <a:r>
-              <a:rPr lang="en-US" dirty="0" smtClean="0">
+              <a:rPr lang="en-US" dirty="0">
                 <a:solidFill>
                   <a:schemeClr val="accent1">
                     <a:lumMod val="75000"/>
@@ -7626,7 +7862,7 @@
               <a:buNone/>
             </a:pPr>
             <a:r>
-              <a:rPr lang="en-US" dirty="0" smtClean="0">
+              <a:rPr lang="en-US" dirty="0">
                 <a:solidFill>
                   <a:schemeClr val="accent1">
                     <a:lumMod val="75000"/>
@@ -7648,13 +7884,6 @@
   <p:clrMapOvr>
     <a:masterClrMapping/>
   </p:clrMapOvr>
-  <p:timing>
-    <p:tnLst>
-      <p:par>
-        <p:cTn id="1" dur="indefinite" restart="never" nodeType="tmRoot"/>
-      </p:par>
-    </p:tnLst>
-  </p:timing>
 </p:sld>
 </file>
 
